--- a/static/images/figures.pptx
+++ b/static/images/figures.pptx
@@ -5,15 +5,14 @@
     <p:sldMasterId id="2147483648" r:id="rId1"/>
   </p:sldMasterIdLst>
   <p:sldIdLst>
-    <p:sldId id="256" r:id="rId3"/>
-    <p:sldId id="257" r:id="rId4"/>
-    <p:sldId id="258" r:id="rId5"/>
-    <p:sldId id="259" r:id="rId6"/>
+    <p:sldId id="257" r:id="rId3"/>
+    <p:sldId id="258" r:id="rId4"/>
+    <p:sldId id="259" r:id="rId5"/>
   </p:sldIdLst>
   <p:sldSz cx="12192000" cy="6858000"/>
   <p:notesSz cx="6858000" cy="9144000"/>
   <p:custDataLst>
-    <p:tags r:id="rId10"/>
+    <p:tags r:id="rId9"/>
   </p:custDataLst>
   <p:defaultTextStyle>
     <a:defPPr>
@@ -2922,60 +2921,6 @@
       <p:grpSpPr/>
       <p:sp>
         <p:nvSpPr>
-          <p:cNvPr id="2" name="标题 1"/>
-          <p:cNvSpPr>
-            <a:spLocks noGrp="1"/>
-          </p:cNvSpPr>
-          <p:nvPr>
-            <p:ph type="ctrTitle"/>
-          </p:nvPr>
-        </p:nvSpPr>
-        <p:spPr/>
-        <p:txBody>
-          <a:bodyPr/>
-          <a:p>
-            <a:endParaRPr lang="zh-CN" altLang="en-US"/>
-          </a:p>
-        </p:txBody>
-      </p:sp>
-      <p:sp>
-        <p:nvSpPr>
-          <p:cNvPr id="3" name="副标题 2"/>
-          <p:cNvSpPr>
-            <a:spLocks noGrp="1"/>
-          </p:cNvSpPr>
-          <p:nvPr>
-            <p:ph type="subTitle" idx="1"/>
-          </p:nvPr>
-        </p:nvSpPr>
-        <p:spPr/>
-        <p:txBody>
-          <a:bodyPr/>
-          <a:p>
-            <a:endParaRPr lang="zh-CN" altLang="en-US"/>
-          </a:p>
-        </p:txBody>
-      </p:sp>
-    </p:spTree>
-  </p:cSld>
-  <p:clrMapOvr>
-    <a:masterClrMapping/>
-  </p:clrMapOvr>
-</p:sld>
-</file>
-
-<file path=ppt/slides/slide2.xml><?xml version="1.0" encoding="utf-8"?>
-<p:sld xmlns:a="http://schemas.openxmlformats.org/drawingml/2006/main" xmlns:r="http://schemas.openxmlformats.org/officeDocument/2006/relationships" xmlns:p="http://schemas.openxmlformats.org/presentationml/2006/main">
-  <p:cSld>
-    <p:spTree>
-      <p:nvGrpSpPr>
-        <p:cNvPr id="1" name=""/>
-        <p:cNvGrpSpPr/>
-        <p:nvPr/>
-      </p:nvGrpSpPr>
-      <p:grpSpPr/>
-      <p:sp>
-        <p:nvSpPr>
           <p:cNvPr id="4" name="椭圆 3"/>
           <p:cNvSpPr/>
           <p:nvPr/>
@@ -3027,18 +2972,10 @@
           <a:p>
             <a:pPr algn="ctr"/>
             <a:r>
-              <a:rPr lang="en-US" altLang="zh-CN" sz="4000"/>
+              <a:rPr lang="en-US" altLang="zh-CN" sz="5400" b="1"/>
               <a:t>QIOP</a:t>
             </a:r>
-            <a:endParaRPr lang="en-US" altLang="zh-CN" sz="4000"/>
-          </a:p>
-          <a:p>
-            <a:pPr algn="ctr"/>
-            <a:r>
-              <a:rPr lang="en-US" altLang="zh-CN" sz="4000"/>
-              <a:t>2025</a:t>
-            </a:r>
-            <a:endParaRPr lang="en-US" altLang="zh-CN" sz="4000"/>
+            <a:endParaRPr lang="en-US" altLang="zh-CN" sz="5400" b="1"/>
           </a:p>
         </p:txBody>
       </p:sp>
@@ -3050,7 +2987,7 @@
 </p:sld>
 </file>
 
-<file path=ppt/slides/slide3.xml><?xml version="1.0" encoding="utf-8"?>
+<file path=ppt/slides/slide2.xml><?xml version="1.0" encoding="utf-8"?>
 <p:sld xmlns:a="http://schemas.openxmlformats.org/drawingml/2006/main" xmlns:r="http://schemas.openxmlformats.org/officeDocument/2006/relationships" xmlns:p="http://schemas.openxmlformats.org/presentationml/2006/main">
   <p:cSld>
     <p:spTree>
@@ -3112,7 +3049,7 @@
                   <a:schemeClr val="bg1"/>
                 </a:solidFill>
               </a:rPr>
-              <a:t>Quantum Information and Optimization 2025              April 13-18, Kunming</a:t>
+              <a:t>Quantum Information and Optimization 2025              April 13-19, Kunming</a:t>
             </a:r>
             <a:endParaRPr lang="en-US" altLang="zh-CN" sz="2400" b="1">
               <a:solidFill>
@@ -3130,7 +3067,7 @@
 </p:sld>
 </file>
 
-<file path=ppt/slides/slide4.xml><?xml version="1.0" encoding="utf-8"?>
+<file path=ppt/slides/slide3.xml><?xml version="1.0" encoding="utf-8"?>
 <p:sld xmlns:a="http://schemas.openxmlformats.org/drawingml/2006/main" xmlns:r="http://schemas.openxmlformats.org/officeDocument/2006/relationships" xmlns:p="http://schemas.openxmlformats.org/presentationml/2006/main">
   <p:cSld>
     <p:spTree>
